--- a/misc/thinking2021/pre_ucriverside_20211211.pptx
+++ b/misc/thinking2021/pre_ucriverside_20211211.pptx
@@ -5,10 +5,10 @@
     <p:sldMasterId id="2147483648" r:id="rId1"/>
   </p:sldMasterIdLst>
   <p:notesMasterIdLst>
-    <p:notesMasterId r:id="rId25"/>
+    <p:notesMasterId r:id="rId26"/>
   </p:notesMasterIdLst>
   <p:handoutMasterIdLst>
-    <p:handoutMasterId r:id="rId26"/>
+    <p:handoutMasterId r:id="rId27"/>
   </p:handoutMasterIdLst>
   <p:sldIdLst>
     <p:sldId id="256" r:id="rId3"/>
@@ -32,7 +32,8 @@
     <p:sldId id="280" r:id="rId21"/>
     <p:sldId id="281" r:id="rId22"/>
     <p:sldId id="283" r:id="rId23"/>
-    <p:sldId id="284" r:id="rId24"/>
+    <p:sldId id="285" r:id="rId24"/>
+    <p:sldId id="284" r:id="rId25"/>
   </p:sldIdLst>
   <p:sldSz cx="12192000" cy="6858000"/>
   <p:notesSz cx="7103745" cy="10234295"/>
@@ -5778,7 +5779,7 @@
                 <a:latin typeface="Dyuthi" panose="02000603000000000000" charset="0"/>
                 <a:cs typeface="Dyuthi" panose="02000603000000000000" charset="0"/>
               </a:rPr>
-              <a:t>intuitive rules</a:t>
+              <a:t>heuristic rules</a:t>
             </a:r>
             <a:endParaRPr lang="en-US" altLang="zh-CN" sz="3200">
               <a:latin typeface="Dyuthi" panose="02000603000000000000" charset="0"/>
@@ -5796,6 +5797,108 @@
 </file>
 
 <file path=ppt/slides/slide22.xml><?xml version="1.0" encoding="utf-8"?>
+<p:sld xmlns:a="http://schemas.openxmlformats.org/drawingml/2006/main" xmlns:r="http://schemas.openxmlformats.org/officeDocument/2006/relationships" xmlns:p="http://schemas.openxmlformats.org/presentationml/2006/main">
+  <p:cSld>
+    <p:spTree>
+      <p:nvGrpSpPr>
+        <p:cNvPr id="1" name=""/>
+        <p:cNvGrpSpPr/>
+        <p:nvPr/>
+      </p:nvGrpSpPr>
+      <p:grpSpPr/>
+      <p:sp>
+        <p:nvSpPr>
+          <p:cNvPr id="2" name="标题 1"/>
+          <p:cNvSpPr>
+            <a:spLocks noGrp="true"/>
+          </p:cNvSpPr>
+          <p:nvPr>
+            <p:ph type="title"/>
+          </p:nvPr>
+        </p:nvSpPr>
+        <p:spPr/>
+        <p:txBody>
+          <a:bodyPr/>
+          <a:p>
+            <a:r>
+              <a:rPr lang="en-US" altLang="zh-CN" sz="4000"/>
+              <a:t>Related work</a:t>
+            </a:r>
+            <a:endParaRPr lang="en-US" altLang="zh-CN" sz="4000"/>
+          </a:p>
+        </p:txBody>
+      </p:sp>
+      <p:sp>
+        <p:nvSpPr>
+          <p:cNvPr id="5" name="文本框 4"/>
+          <p:cNvSpPr txBox="true"/>
+          <p:nvPr/>
+        </p:nvSpPr>
+        <p:spPr>
+          <a:xfrm>
+            <a:off x="835660" y="1835785"/>
+            <a:ext cx="10955655" cy="3415030"/>
+          </a:xfrm>
+          <a:prstGeom prst="rect">
+            <a:avLst/>
+          </a:prstGeom>
+          <a:noFill/>
+        </p:spPr>
+        <p:txBody>
+          <a:bodyPr wrap="square" rtlCol="0">
+            <a:spAutoFit/>
+          </a:bodyPr>
+          <a:p>
+            <a:pPr marL="285750" indent="-285750" fontAlgn="auto">
+              <a:lnSpc>
+                <a:spcPct val="150000"/>
+              </a:lnSpc>
+              <a:buFont typeface="Arial" panose="02080604020202020204" pitchFamily="34" charset="0"/>
+              <a:buChar char="•"/>
+            </a:pPr>
+            <a:r>
+              <a:rPr lang="zh-CN" altLang="en-US" sz="2400">
+                <a:latin typeface="Dyuthi" panose="02000603000000000000" charset="0"/>
+                <a:cs typeface="Dyuthi" panose="02000603000000000000" charset="0"/>
+              </a:rPr>
+              <a:t>Wu, W., Chen, Y., Xu, J., Xing, X., Gong, X., &amp; Zou, W. (2018). FUZE: Towards facilitating exploit generation for kernel use-after-free vulnerabilities. Proceedings of the 27th USENIX Security Symposium, 781–797.</a:t>
+            </a:r>
+            <a:endParaRPr lang="zh-CN" altLang="en-US" sz="2400">
+              <a:latin typeface="Dyuthi" panose="02000603000000000000" charset="0"/>
+              <a:cs typeface="Dyuthi" panose="02000603000000000000" charset="0"/>
+            </a:endParaRPr>
+          </a:p>
+          <a:p>
+            <a:pPr marL="285750" indent="-285750" fontAlgn="auto">
+              <a:lnSpc>
+                <a:spcPct val="150000"/>
+              </a:lnSpc>
+              <a:buFont typeface="Arial" panose="02080604020202020204" pitchFamily="34" charset="0"/>
+              <a:buChar char="•"/>
+            </a:pPr>
+            <a:r>
+              <a:rPr lang="zh-CN" altLang="en-US" sz="2400">
+                <a:latin typeface="Dyuthi" panose="02000603000000000000" charset="0"/>
+                <a:cs typeface="Dyuthi" panose="02000603000000000000" charset="0"/>
+              </a:rPr>
+              <a:t>Chen, Y., &amp; Xing, X. (2019). Slake: Facilitating slab manipulation for exploiting vulnerabilities in the linux kernel. Proceedings of the ACM Conference on Computer and Communications Security, 1707–1722. https://doi.org/10.1145/3319535.3363212</a:t>
+            </a:r>
+            <a:endParaRPr lang="zh-CN" altLang="en-US" sz="2400">
+              <a:latin typeface="Dyuthi" panose="02000603000000000000" charset="0"/>
+              <a:cs typeface="Dyuthi" panose="02000603000000000000" charset="0"/>
+            </a:endParaRPr>
+          </a:p>
+        </p:txBody>
+      </p:sp>
+    </p:spTree>
+  </p:cSld>
+  <p:clrMapOvr>
+    <a:masterClrMapping/>
+  </p:clrMapOvr>
+</p:sld>
+</file>
+
+<file path=ppt/slides/slide23.xml><?xml version="1.0" encoding="utf-8"?>
 <p:sld xmlns:a="http://schemas.openxmlformats.org/drawingml/2006/main" xmlns:r="http://schemas.openxmlformats.org/officeDocument/2006/relationships" xmlns:p="http://schemas.openxmlformats.org/presentationml/2006/main">
   <p:cSld>
     <p:spTree>
